--- a/Presentación1.pptx
+++ b/Presentación1.pptx
@@ -6,13 +6,15 @@
   </p:sldMasterIdLst>
   <p:sldIdLst>
     <p:sldId id="256" r:id="rId2"/>
-    <p:sldId id="258" r:id="rId3"/>
-    <p:sldId id="259" r:id="rId4"/>
-    <p:sldId id="261" r:id="rId5"/>
-    <p:sldId id="262" r:id="rId6"/>
-    <p:sldId id="263" r:id="rId7"/>
-    <p:sldId id="264" r:id="rId8"/>
-    <p:sldId id="265" r:id="rId9"/>
+    <p:sldId id="259" r:id="rId3"/>
+    <p:sldId id="261" r:id="rId4"/>
+    <p:sldId id="262" r:id="rId5"/>
+    <p:sldId id="263" r:id="rId6"/>
+    <p:sldId id="266" r:id="rId7"/>
+    <p:sldId id="268" r:id="rId8"/>
+    <p:sldId id="267" r:id="rId9"/>
+    <p:sldId id="264" r:id="rId10"/>
+    <p:sldId id="265" r:id="rId11"/>
   </p:sldIdLst>
   <p:sldSz cx="12192000" cy="6858000"/>
   <p:notesSz cx="6858000" cy="9144000"/>
@@ -111,6 +113,11 @@
       </a:defRPr>
     </a:lvl9pPr>
   </p:defaultTextStyle>
+  <p:extLst>
+    <p:ext uri="{EFAFB233-063F-42B5-8137-9DF3F51BA10A}">
+      <p15:sldGuideLst xmlns:p15="http://schemas.microsoft.com/office/powerpoint/2012/main"/>
+    </p:ext>
+  </p:extLst>
 </p:presentation>
 </file>
 
@@ -1743,268 +1750,6 @@
 </p:sldLayout>
 </file>
 
-<file path=ppt/slideLayouts/slideLayout13.xml><?xml version="1.0" encoding="utf-8"?>
-<p:sldLayout xmlns:a="http://schemas.openxmlformats.org/drawingml/2006/main" xmlns:r="http://schemas.openxmlformats.org/officeDocument/2006/relationships" xmlns:p="http://schemas.openxmlformats.org/presentationml/2006/main" userDrawn="1">
-  <p:cSld name="Speaker Intro">
-    <p:bg>
-      <p:bgPr>
-        <a:blipFill dpi="0" rotWithShape="1">
-          <a:blip r:embed="rId2">
-            <a:lum/>
-          </a:blip>
-          <a:srcRect/>
-          <a:stretch>
-            <a:fillRect l="-1000" r="-1000"/>
-          </a:stretch>
-        </a:blipFill>
-        <a:effectLst/>
-      </p:bgPr>
-    </p:bg>
-    <p:spTree>
-      <p:nvGrpSpPr>
-        <p:cNvPr id="1" name=""/>
-        <p:cNvGrpSpPr/>
-        <p:nvPr/>
-      </p:nvGrpSpPr>
-      <p:grpSpPr>
-        <a:xfrm>
-          <a:off x="0" y="0"/>
-          <a:ext cx="0" cy="0"/>
-          <a:chOff x="0" y="0"/>
-          <a:chExt cx="0" cy="0"/>
-        </a:xfrm>
-      </p:grpSpPr>
-      <p:sp>
-        <p:nvSpPr>
-          <p:cNvPr id="7" name="Picture Placeholder 4">
-            <a:extLst>
-              <a:ext uri="{FF2B5EF4-FFF2-40B4-BE49-F238E27FC236}">
-                <a16:creationId xmlns:a16="http://schemas.microsoft.com/office/drawing/2014/main" id="{3748518F-33D3-49EC-8113-D8C621711E7E}"/>
-              </a:ext>
-            </a:extLst>
-          </p:cNvPr>
-          <p:cNvSpPr>
-            <a:spLocks noGrp="1"/>
-          </p:cNvSpPr>
-          <p:nvPr>
-            <p:ph type="pic" sz="quarter" idx="10"/>
-          </p:nvPr>
-        </p:nvSpPr>
-        <p:spPr bwMode="ltGray">
-          <a:xfrm>
-            <a:off x="7459320" y="745331"/>
-            <a:ext cx="3389655" cy="4686300"/>
-          </a:xfrm>
-          <a:blipFill dpi="0" rotWithShape="1">
-            <a:blip r:embed="rId3"/>
-            <a:srcRect/>
-            <a:stretch>
-              <a:fillRect/>
-            </a:stretch>
-          </a:blipFill>
-        </p:spPr>
-        <p:txBody>
-          <a:bodyPr tIns="548640" anchor="ctr" anchorCtr="0">
-            <a:noAutofit/>
-          </a:bodyPr>
-          <a:lstStyle>
-            <a:lvl1pPr marL="0" indent="0" algn="ctr">
-              <a:buNone/>
-              <a:defRPr sz="1568" b="1" cap="none" baseline="0">
-                <a:gradFill>
-                  <a:gsLst>
-                    <a:gs pos="0">
-                      <a:srgbClr val="FFFFFF"/>
-                    </a:gs>
-                    <a:gs pos="27000">
-                      <a:srgbClr val="FFFFFF"/>
-                    </a:gs>
-                  </a:gsLst>
-                  <a:lin ang="5400000" scaled="0"/>
-                </a:gradFill>
-                <a:latin typeface="+mn-lt"/>
-              </a:defRPr>
-            </a:lvl1pPr>
-          </a:lstStyle>
-          <a:p>
-            <a:r>
-              <a:rPr lang="en-US" dirty="0"/>
-              <a:t>Click icon to add picture</a:t>
-            </a:r>
-          </a:p>
-        </p:txBody>
-      </p:sp>
-      <p:sp>
-        <p:nvSpPr>
-          <p:cNvPr id="10" name="Title 11">
-            <a:extLst>
-              <a:ext uri="{FF2B5EF4-FFF2-40B4-BE49-F238E27FC236}">
-                <a16:creationId xmlns:a16="http://schemas.microsoft.com/office/drawing/2014/main" id="{2E8AEF51-F89E-4E34-997D-1CCC5B91B2C0}"/>
-              </a:ext>
-            </a:extLst>
-          </p:cNvPr>
-          <p:cNvSpPr>
-            <a:spLocks noGrp="1"/>
-          </p:cNvSpPr>
-          <p:nvPr>
-            <p:ph type="title" hasCustomPrompt="1"/>
-          </p:nvPr>
-        </p:nvSpPr>
-        <p:spPr>
-          <a:xfrm>
-            <a:off x="716722" y="745331"/>
-            <a:ext cx="5378450" cy="1884363"/>
-          </a:xfrm>
-        </p:spPr>
-        <p:txBody>
-          <a:bodyPr anchor="t">
-            <a:noAutofit/>
-          </a:bodyPr>
-          <a:lstStyle>
-            <a:lvl1pPr>
-              <a:defRPr sz="6600" b="0" cap="none" spc="0">
-                <a:ln w="0"/>
-                <a:solidFill>
-                  <a:schemeClr val="bg1"/>
-                </a:solidFill>
-                <a:effectLst>
-                  <a:outerShdw blurRad="38100" dist="19050" dir="2700000" algn="tl" rotWithShape="0">
-                    <a:schemeClr val="dk1">
-                      <a:alpha val="40000"/>
-                    </a:schemeClr>
-                  </a:outerShdw>
-                </a:effectLst>
-              </a:defRPr>
-            </a:lvl1pPr>
-          </a:lstStyle>
-          <a:p>
-            <a:r>
-              <a:rPr lang="en-US" dirty="0"/>
-              <a:t>Speaker Intro Slide</a:t>
-            </a:r>
-          </a:p>
-        </p:txBody>
-      </p:sp>
-      <p:sp>
-        <p:nvSpPr>
-          <p:cNvPr id="11" name="Text Placeholder 13">
-            <a:extLst>
-              <a:ext uri="{FF2B5EF4-FFF2-40B4-BE49-F238E27FC236}">
-                <a16:creationId xmlns:a16="http://schemas.microsoft.com/office/drawing/2014/main" id="{147BC5EC-9BCC-4DB8-9927-D8FB56A7E1D1}"/>
-              </a:ext>
-            </a:extLst>
-          </p:cNvPr>
-          <p:cNvSpPr>
-            <a:spLocks noGrp="1"/>
-          </p:cNvSpPr>
-          <p:nvPr>
-            <p:ph type="body" sz="quarter" idx="11" hasCustomPrompt="1"/>
-          </p:nvPr>
-        </p:nvSpPr>
-        <p:spPr>
-          <a:xfrm>
-            <a:off x="716721" y="3167307"/>
-            <a:ext cx="5378451" cy="2457638"/>
-          </a:xfrm>
-        </p:spPr>
-        <p:txBody>
-          <a:bodyPr>
-            <a:normAutofit/>
-          </a:bodyPr>
-          <a:lstStyle>
-            <a:lvl1pPr>
-              <a:defRPr sz="1800">
-                <a:solidFill>
-                  <a:schemeClr val="bg1"/>
-                </a:solidFill>
-              </a:defRPr>
-            </a:lvl1pPr>
-            <a:lvl2pPr>
-              <a:defRPr sz="1800"/>
-            </a:lvl2pPr>
-          </a:lstStyle>
-          <a:p>
-            <a:r>
-              <a:rPr lang="en-US" dirty="0"/>
-              <a:t>Introduce yourself, include any of the following information:</a:t>
-            </a:r>
-          </a:p>
-          <a:p>
-            <a:pPr lvl="1"/>
-            <a:r>
-              <a:rPr lang="en-US" dirty="0">
-                <a:solidFill>
-                  <a:schemeClr val="bg1"/>
-                </a:solidFill>
-              </a:rPr>
-              <a:t>Title</a:t>
-            </a:r>
-          </a:p>
-          <a:p>
-            <a:pPr lvl="1"/>
-            <a:r>
-              <a:rPr lang="en-US" dirty="0">
-                <a:solidFill>
-                  <a:schemeClr val="bg1"/>
-                </a:solidFill>
-              </a:rPr>
-              <a:t>Company</a:t>
-            </a:r>
-          </a:p>
-          <a:p>
-            <a:pPr lvl="1"/>
-            <a:r>
-              <a:rPr lang="en-US" dirty="0">
-                <a:solidFill>
-                  <a:schemeClr val="bg1"/>
-                </a:solidFill>
-              </a:rPr>
-              <a:t>Any User Group volunteer positions (ex. Board Member, User Group Leader)</a:t>
-            </a:r>
-          </a:p>
-          <a:p>
-            <a:pPr lvl="1"/>
-            <a:r>
-              <a:rPr lang="en-US" dirty="0">
-                <a:solidFill>
-                  <a:schemeClr val="bg1"/>
-                </a:solidFill>
-              </a:rPr>
-              <a:t>Add a headshot to the right </a:t>
-            </a:r>
-            <a:r>
-              <a:rPr lang="en-US" dirty="0">
-                <a:solidFill>
-                  <a:schemeClr val="bg1"/>
-                </a:solidFill>
-                <a:sym typeface="Wingdings" panose="05000000000000000000" pitchFamily="2" charset="2"/>
-              </a:rPr>
-              <a:t></a:t>
-            </a:r>
-            <a:endParaRPr lang="en-US" dirty="0">
-              <a:solidFill>
-                <a:schemeClr val="bg1"/>
-              </a:solidFill>
-            </a:endParaRPr>
-          </a:p>
-          <a:p>
-            <a:endParaRPr lang="en-US" dirty="0"/>
-          </a:p>
-        </p:txBody>
-      </p:sp>
-    </p:spTree>
-    <p:extLst>
-      <p:ext uri="{BB962C8B-B14F-4D97-AF65-F5344CB8AC3E}">
-        <p14:creationId xmlns:p14="http://schemas.microsoft.com/office/powerpoint/2010/main" val="4082468492"/>
-      </p:ext>
-    </p:extLst>
-  </p:cSld>
-  <p:clrMapOvr>
-    <a:overrideClrMapping bg1="lt1" tx1="dk1" bg2="lt2" tx2="dk2" accent1="accent1" accent2="accent2" accent3="accent3" accent4="accent4" accent5="accent5" accent6="accent6" hlink="hlink" folHlink="folHlink"/>
-  </p:clrMapOvr>
-</p:sldLayout>
-</file>
-
 <file path=ppt/slideLayouts/slideLayout2.xml><?xml version="1.0" encoding="utf-8"?>
 <p:sldLayout xmlns:a="http://schemas.openxmlformats.org/drawingml/2006/main" xmlns:r="http://schemas.openxmlformats.org/officeDocument/2006/relationships" xmlns:p="http://schemas.openxmlformats.org/presentationml/2006/main" type="obj" preserve="1">
   <p:cSld name="Título y objetos">
@@ -4020,7 +3765,6 @@
     <p:sldLayoutId id="2147483658" r:id="rId10"/>
     <p:sldLayoutId id="2147483659" r:id="rId11"/>
     <p:sldLayoutId id="2147483660" r:id="rId12"/>
-    <p:sldLayoutId id="2147483661" r:id="rId13"/>
   </p:sldLayoutIdLst>
   <p:txStyles>
     <p:titleStyle>
@@ -4402,297 +4146,17 @@
   <p:clrMapOvr>
     <a:masterClrMapping/>
   </p:clrMapOvr>
+  <p:timing>
+    <p:tnLst>
+      <p:par>
+        <p:cTn id="1" dur="indefinite" restart="never" nodeType="tmRoot"/>
+      </p:par>
+    </p:tnLst>
+  </p:timing>
 </p:sld>
 </file>
 
-<file path=ppt/slides/slide2.xml><?xml version="1.0" encoding="utf-8"?>
-<p:sld xmlns:a="http://schemas.openxmlformats.org/drawingml/2006/main" xmlns:r="http://schemas.openxmlformats.org/officeDocument/2006/relationships" xmlns:p="http://schemas.openxmlformats.org/presentationml/2006/main">
-  <p:cSld>
-    <p:spTree>
-      <p:nvGrpSpPr>
-        <p:cNvPr id="1" name=""/>
-        <p:cNvGrpSpPr/>
-        <p:nvPr/>
-      </p:nvGrpSpPr>
-      <p:grpSpPr>
-        <a:xfrm>
-          <a:off x="0" y="0"/>
-          <a:ext cx="0" cy="0"/>
-          <a:chOff x="0" y="0"/>
-          <a:chExt cx="0" cy="0"/>
-        </a:xfrm>
-      </p:grpSpPr>
-      <p:sp>
-        <p:nvSpPr>
-          <p:cNvPr id="2" name="Picture Placeholder 1">
-            <a:extLst>
-              <a:ext uri="{FF2B5EF4-FFF2-40B4-BE49-F238E27FC236}">
-                <a16:creationId xmlns:a16="http://schemas.microsoft.com/office/drawing/2014/main" id="{B7736EA8-611D-4E47-8B1C-814E9F16004F}"/>
-              </a:ext>
-            </a:extLst>
-          </p:cNvPr>
-          <p:cNvSpPr>
-            <a:spLocks noGrp="1"/>
-          </p:cNvSpPr>
-          <p:nvPr>
-            <p:ph type="pic" sz="quarter" idx="10"/>
-          </p:nvPr>
-        </p:nvSpPr>
-        <p:spPr/>
-      </p:sp>
-      <p:pic>
-        <p:nvPicPr>
-          <p:cNvPr id="1030" name="Picture 6" descr="https://lh3.googleusercontent.com/wBie1_3Daj0eVUxvr4WtDKptSYSL72KBvrbhXXeOraQD-AAa3MwO0DdeREJbUujV__FTNYke2a1xlDe8qW5MG5V2YcJflAUd9c53RFPbCjuNA-AoqvPiw5m4bkpTnhoGSuVN444XEAm7LTWPAJywCbf35kriAu9_TJ-E_wDMGFUsJOu43pfzLu5sct7AlKXtwpqp1lILNlnjwyT5Jiw9lumPSekQvwEYZiX7eQi9PUb-YgWe3y02M-dFTJL6LxumnUyN-3sgaYaiwlwbP4EWr60Jguyu6G6y9p5-bUe_pRNr618i7N0e8roPShEJkCoc67nSHOYFEwkA33a3-6vDV0REFm0-WUYzzBvrxVR7IXbOzS3kfW1xBEWi0hWJ8NAvhism6YJYX5j9_zj5bOV7lnDmgtdz0Iwu5HV0QWCjNgACgoDP-ht0N3rkzzNh06tfRM5RrkCpXSvccH_yep2NtDaZX23GDSCoDMl4KbvbraWaT78KgdFW8Q_2sws1WL67rNkWM_C1fMRIaP5qWht3Tg2UzcBmG97aDxal6jreThTpPACUjkucyf8Rz2WM8LlTNdsiEzAnK2kUcmSSEhvIwQ9JX7__GHmUGSMa6agYrNCVf_IvcsKYhblUXzB8uHsAXWt4lKFzzEzoKKDj5h7GVX7eGiKSFll06FTHlW5h6n-c_k07W9weNRE2f0PAfQ=w873-h657-no?authuser=1"/>
-          <p:cNvPicPr>
-            <a:picLocks noChangeAspect="1" noChangeArrowheads="1"/>
-          </p:cNvPicPr>
-          <p:nvPr/>
-        </p:nvPicPr>
-        <p:blipFill rotWithShape="1">
-          <a:blip r:embed="rId2">
-            <a:extLst>
-              <a:ext uri="{28A0092B-C50C-407E-A947-70E740481C1C}">
-                <a14:useLocalDpi xmlns:a14="http://schemas.microsoft.com/office/drawing/2010/main" val="0"/>
-              </a:ext>
-            </a:extLst>
-          </a:blip>
-          <a:srcRect l="13766" t="21368" r="45643" b="3853"/>
-          <a:stretch/>
-        </p:blipFill>
-        <p:spPr bwMode="auto">
-          <a:xfrm>
-            <a:off x="7473764" y="745331"/>
-            <a:ext cx="3375211" cy="4679577"/>
-          </a:xfrm>
-          <a:prstGeom prst="rect">
-            <a:avLst/>
-          </a:prstGeom>
-          <a:noFill/>
-          <a:extLst>
-            <a:ext uri="{909E8E84-426E-40DD-AFC4-6F175D3DCCD1}">
-              <a14:hiddenFill xmlns:a14="http://schemas.microsoft.com/office/drawing/2010/main">
-                <a:solidFill>
-                  <a:srgbClr val="FFFFFF"/>
-                </a:solidFill>
-              </a14:hiddenFill>
-            </a:ext>
-          </a:extLst>
-        </p:spPr>
-      </p:pic>
-      <p:sp>
-        <p:nvSpPr>
-          <p:cNvPr id="6" name="Text Placeholder 3">
-            <a:extLst>
-              <a:ext uri="{FF2B5EF4-FFF2-40B4-BE49-F238E27FC236}">
-                <a16:creationId xmlns:a16="http://schemas.microsoft.com/office/drawing/2014/main" id="{497F53FD-FCE2-4CF0-8021-C58214CA32DD}"/>
-              </a:ext>
-            </a:extLst>
-          </p:cNvPr>
-          <p:cNvSpPr>
-            <a:spLocks noGrp="1"/>
-          </p:cNvSpPr>
-          <p:nvPr>
-            <p:ph type="body" sz="quarter" idx="11"/>
-          </p:nvPr>
-        </p:nvSpPr>
-        <p:spPr>
-          <a:xfrm>
-            <a:off x="0" y="2590842"/>
-            <a:ext cx="5723974" cy="2840789"/>
-          </a:xfrm>
-        </p:spPr>
-        <p:txBody>
-          <a:bodyPr vert="horz" lIns="91440" tIns="45720" rIns="91440" bIns="45720" rtlCol="0" anchor="t">
-            <a:normAutofit/>
-          </a:bodyPr>
-          <a:lstStyle/>
-          <a:p>
-            <a:pPr marL="0" indent="0">
-              <a:buNone/>
-            </a:pPr>
-            <a:endParaRPr lang="en-US" dirty="0"/>
-          </a:p>
-          <a:p>
-            <a:pPr lvl="1"/>
-            <a:r>
-              <a:rPr lang="en-US" dirty="0" err="1" smtClean="0">
-                <a:solidFill>
-                  <a:schemeClr val="bg1"/>
-                </a:solidFill>
-              </a:rPr>
-              <a:t>Ing</a:t>
-            </a:r>
-            <a:r>
-              <a:rPr lang="en-US" dirty="0" smtClean="0">
-                <a:solidFill>
-                  <a:schemeClr val="bg1"/>
-                </a:solidFill>
-              </a:rPr>
-              <a:t>. </a:t>
-            </a:r>
-            <a:r>
-              <a:rPr lang="en-US" dirty="0" err="1" smtClean="0">
-                <a:solidFill>
-                  <a:schemeClr val="bg1"/>
-                </a:solidFill>
-              </a:rPr>
-              <a:t>Sistemas</a:t>
-            </a:r>
-            <a:r>
-              <a:rPr lang="en-US" dirty="0" smtClean="0">
-                <a:solidFill>
-                  <a:schemeClr val="bg1"/>
-                </a:solidFill>
-              </a:rPr>
-              <a:t> e </a:t>
-            </a:r>
-            <a:r>
-              <a:rPr lang="en-US" dirty="0" err="1" smtClean="0">
-                <a:solidFill>
-                  <a:schemeClr val="bg1"/>
-                </a:solidFill>
-              </a:rPr>
-              <a:t>Informática</a:t>
-            </a:r>
-            <a:endParaRPr lang="en-US" dirty="0">
-              <a:solidFill>
-                <a:schemeClr val="bg1"/>
-              </a:solidFill>
-            </a:endParaRPr>
-          </a:p>
-          <a:p>
-            <a:pPr lvl="1"/>
-            <a:r>
-              <a:rPr lang="en-US" dirty="0">
-                <a:solidFill>
-                  <a:schemeClr val="bg1"/>
-                </a:solidFill>
-              </a:rPr>
-              <a:t>Systems </a:t>
-            </a:r>
-            <a:r>
-              <a:rPr lang="en-US" dirty="0" smtClean="0">
-                <a:solidFill>
-                  <a:schemeClr val="bg1"/>
-                </a:solidFill>
-              </a:rPr>
-              <a:t>Engineer </a:t>
-            </a:r>
-            <a:r>
-              <a:rPr lang="en-US" dirty="0" err="1" smtClean="0">
-                <a:solidFill>
-                  <a:schemeClr val="bg1"/>
-                </a:solidFill>
-              </a:rPr>
-              <a:t>Indra</a:t>
-            </a:r>
-            <a:r>
-              <a:rPr lang="en-US" dirty="0" smtClean="0">
-                <a:solidFill>
-                  <a:schemeClr val="bg1"/>
-                </a:solidFill>
-              </a:rPr>
-              <a:t> </a:t>
-            </a:r>
-            <a:r>
-              <a:rPr lang="en-US" dirty="0" err="1" smtClean="0">
-                <a:solidFill>
-                  <a:schemeClr val="bg1"/>
-                </a:solidFill>
-              </a:rPr>
-              <a:t>Perú</a:t>
-            </a:r>
-            <a:r>
-              <a:rPr lang="en-US" smtClean="0">
-                <a:solidFill>
-                  <a:schemeClr val="bg1"/>
-                </a:solidFill>
-              </a:rPr>
-              <a:t> </a:t>
-            </a:r>
-          </a:p>
-          <a:p>
-            <a:pPr lvl="1"/>
-            <a:endParaRPr lang="en-US" dirty="0">
-              <a:solidFill>
-                <a:schemeClr val="bg1"/>
-              </a:solidFill>
-            </a:endParaRPr>
-          </a:p>
-          <a:p>
-            <a:pPr lvl="1"/>
-            <a:endParaRPr lang="en-US" dirty="0">
-              <a:solidFill>
-                <a:schemeClr val="bg1"/>
-              </a:solidFill>
-            </a:endParaRPr>
-          </a:p>
-        </p:txBody>
-      </p:sp>
-      <p:sp>
-        <p:nvSpPr>
-          <p:cNvPr id="3" name="Title 2">
-            <a:extLst>
-              <a:ext uri="{FF2B5EF4-FFF2-40B4-BE49-F238E27FC236}">
-                <a16:creationId xmlns:a16="http://schemas.microsoft.com/office/drawing/2014/main" id="{078D7EEC-238E-4501-8639-F28FEA6E07EA}"/>
-              </a:ext>
-            </a:extLst>
-          </p:cNvPr>
-          <p:cNvSpPr>
-            <a:spLocks noGrp="1"/>
-          </p:cNvSpPr>
-          <p:nvPr>
-            <p:ph type="title"/>
-          </p:nvPr>
-        </p:nvSpPr>
-        <p:spPr>
-          <a:xfrm>
-            <a:off x="478301" y="888613"/>
-            <a:ext cx="6196511" cy="1884363"/>
-          </a:xfrm>
-        </p:spPr>
-        <p:txBody>
-          <a:bodyPr/>
-          <a:lstStyle/>
-          <a:p>
-            <a:r>
-              <a:rPr lang="en-US" sz="5400" dirty="0" smtClean="0">
-                <a:effectLst>
-                  <a:outerShdw blurRad="38100" dist="19050" dir="2700000" algn="tl" rotWithShape="0">
-                    <a:prstClr val="black">
-                      <a:alpha val="40000"/>
-                    </a:prstClr>
-                  </a:outerShdw>
-                </a:effectLst>
-              </a:rPr>
-              <a:t>Carlos Humberto Morales Cueva</a:t>
-            </a:r>
-            <a:endParaRPr lang="en-US" sz="5400" dirty="0">
-              <a:effectLst>
-                <a:outerShdw blurRad="38100" dist="19050" dir="2700000" algn="tl" rotWithShape="0">
-                  <a:prstClr val="black">
-                    <a:alpha val="40000"/>
-                  </a:prstClr>
-                </a:outerShdw>
-              </a:effectLst>
-            </a:endParaRPr>
-          </a:p>
-        </p:txBody>
-      </p:sp>
-    </p:spTree>
-    <p:extLst>
-      <p:ext uri="{BB962C8B-B14F-4D97-AF65-F5344CB8AC3E}">
-        <p14:creationId xmlns:p14="http://schemas.microsoft.com/office/powerpoint/2010/main" val="2731548946"/>
-      </p:ext>
-    </p:extLst>
-  </p:cSld>
-  <p:clrMapOvr>
-    <a:masterClrMapping/>
-  </p:clrMapOvr>
-</p:sld>
-</file>
-
-<file path=ppt/slides/slide3.xml><?xml version="1.0" encoding="utf-8"?>
+<file path=ppt/slides/slide10.xml><?xml version="1.0" encoding="utf-8"?>
 <p:sld xmlns:a="http://schemas.openxmlformats.org/drawingml/2006/main" xmlns:r="http://schemas.openxmlformats.org/officeDocument/2006/relationships" xmlns:p="http://schemas.openxmlformats.org/presentationml/2006/main">
   <p:cSld>
     <p:bg>
@@ -4744,7 +4208,7 @@
                   <a:schemeClr val="bg1"/>
                 </a:solidFill>
               </a:rPr>
-              <a:t>Node JS</a:t>
+              <a:t>Gracias</a:t>
             </a:r>
             <a:endParaRPr lang="es-PE" dirty="0">
               <a:solidFill>
@@ -4756,6 +4220,300 @@
       </p:sp>
       <p:sp>
         <p:nvSpPr>
+          <p:cNvPr id="2" name="Marcador de contenido 1"/>
+          <p:cNvSpPr>
+            <a:spLocks noGrp="1"/>
+          </p:cNvSpPr>
+          <p:nvPr>
+            <p:ph idx="1"/>
+          </p:nvPr>
+        </p:nvSpPr>
+        <p:spPr>
+          <a:xfrm>
+            <a:off x="2612570" y="1864813"/>
+            <a:ext cx="8741229" cy="4351338"/>
+          </a:xfrm>
+        </p:spPr>
+        <p:txBody>
+          <a:bodyPr>
+            <a:normAutofit/>
+          </a:bodyPr>
+          <a:lstStyle/>
+          <a:p>
+            <a:pPr marL="0" indent="0">
+              <a:buNone/>
+            </a:pPr>
+            <a:r>
+              <a:rPr lang="es-PE" sz="2400" dirty="0" smtClean="0">
+                <a:solidFill>
+                  <a:schemeClr val="bg1"/>
+                </a:solidFill>
+              </a:rPr>
+              <a:t>GitHub</a:t>
+            </a:r>
+          </a:p>
+          <a:p>
+            <a:pPr marL="457200" lvl="1" indent="0">
+              <a:buNone/>
+            </a:pPr>
+            <a:r>
+              <a:rPr lang="es-PE" sz="2000" dirty="0">
+                <a:solidFill>
+                  <a:schemeClr val="bg1"/>
+                </a:solidFill>
+                <a:hlinkClick r:id="rId3"/>
+              </a:rPr>
+              <a:t>https://</a:t>
+            </a:r>
+            <a:r>
+              <a:rPr lang="es-PE" sz="2000" dirty="0" smtClean="0">
+                <a:solidFill>
+                  <a:schemeClr val="bg1"/>
+                </a:solidFill>
+                <a:hlinkClick r:id="rId3"/>
+              </a:rPr>
+              <a:t>github.com/chmorcue</a:t>
+            </a:r>
+            <a:endParaRPr lang="es-PE" sz="2000" dirty="0">
+              <a:solidFill>
+                <a:schemeClr val="bg1"/>
+              </a:solidFill>
+            </a:endParaRPr>
+          </a:p>
+          <a:p>
+            <a:pPr marL="457200" lvl="1" indent="0">
+              <a:buNone/>
+            </a:pPr>
+            <a:endParaRPr lang="es-PE" sz="2000" dirty="0" smtClean="0">
+              <a:solidFill>
+                <a:schemeClr val="bg1"/>
+              </a:solidFill>
+            </a:endParaRPr>
+          </a:p>
+          <a:p>
+            <a:pPr marL="0" indent="0">
+              <a:buNone/>
+            </a:pPr>
+            <a:r>
+              <a:rPr lang="es-PE" sz="2400" dirty="0" smtClean="0">
+                <a:solidFill>
+                  <a:schemeClr val="bg1"/>
+                </a:solidFill>
+              </a:rPr>
+              <a:t>Facebook</a:t>
+            </a:r>
+          </a:p>
+          <a:p>
+            <a:pPr marL="457200" lvl="1" indent="0">
+              <a:buNone/>
+            </a:pPr>
+            <a:r>
+              <a:rPr lang="es-PE" sz="2000" dirty="0">
+                <a:solidFill>
+                  <a:schemeClr val="bg1"/>
+                </a:solidFill>
+                <a:hlinkClick r:id="rId4"/>
+              </a:rPr>
+              <a:t>https://</a:t>
+            </a:r>
+            <a:r>
+              <a:rPr lang="es-PE" sz="2000" dirty="0" smtClean="0">
+                <a:solidFill>
+                  <a:schemeClr val="bg1"/>
+                </a:solidFill>
+                <a:hlinkClick r:id="rId4"/>
+              </a:rPr>
+              <a:t>www.facebook.com/Carlos1987MC</a:t>
+            </a:r>
+            <a:endParaRPr lang="es-PE" sz="2000" dirty="0" smtClean="0">
+              <a:solidFill>
+                <a:schemeClr val="bg1"/>
+              </a:solidFill>
+            </a:endParaRPr>
+          </a:p>
+          <a:p>
+            <a:pPr marL="457200" lvl="1" indent="0">
+              <a:buNone/>
+            </a:pPr>
+            <a:endParaRPr lang="es-PE" sz="2000" dirty="0" smtClean="0">
+              <a:solidFill>
+                <a:schemeClr val="bg1"/>
+              </a:solidFill>
+            </a:endParaRPr>
+          </a:p>
+          <a:p>
+            <a:pPr marL="0" indent="0">
+              <a:buNone/>
+            </a:pPr>
+            <a:r>
+              <a:rPr lang="es-PE" sz="2400" dirty="0" err="1" smtClean="0">
+                <a:solidFill>
+                  <a:schemeClr val="bg1"/>
+                </a:solidFill>
+              </a:rPr>
+              <a:t>Linkedin</a:t>
+            </a:r>
+            <a:endParaRPr lang="es-PE" sz="2400" dirty="0">
+              <a:solidFill>
+                <a:schemeClr val="bg1"/>
+              </a:solidFill>
+            </a:endParaRPr>
+          </a:p>
+          <a:p>
+            <a:pPr marL="457200" lvl="1" indent="0">
+              <a:buNone/>
+            </a:pPr>
+            <a:r>
+              <a:rPr lang="es-PE" sz="2000" dirty="0">
+                <a:solidFill>
+                  <a:schemeClr val="bg1"/>
+                </a:solidFill>
+                <a:hlinkClick r:id="rId5"/>
+              </a:rPr>
+              <a:t>https://www.linkedin.com/in/carlos-morales-cueva-866aa2a5</a:t>
+            </a:r>
+            <a:r>
+              <a:rPr lang="es-PE" sz="2000" dirty="0" smtClean="0">
+                <a:solidFill>
+                  <a:schemeClr val="bg1"/>
+                </a:solidFill>
+                <a:hlinkClick r:id="rId5"/>
+              </a:rPr>
+              <a:t>/</a:t>
+            </a:r>
+            <a:endParaRPr lang="es-PE" sz="2000" dirty="0" smtClean="0">
+              <a:solidFill>
+                <a:schemeClr val="bg1"/>
+              </a:solidFill>
+            </a:endParaRPr>
+          </a:p>
+          <a:p>
+            <a:pPr marL="457200" lvl="1" indent="0">
+              <a:buNone/>
+            </a:pPr>
+            <a:endParaRPr lang="es-PE" sz="2000" dirty="0" smtClean="0">
+              <a:solidFill>
+                <a:schemeClr val="bg1"/>
+              </a:solidFill>
+            </a:endParaRPr>
+          </a:p>
+          <a:p>
+            <a:pPr marL="0" indent="0">
+              <a:buNone/>
+            </a:pPr>
+            <a:r>
+              <a:rPr lang="es-PE" sz="2400" dirty="0" smtClean="0">
+                <a:solidFill>
+                  <a:schemeClr val="bg1"/>
+                </a:solidFill>
+              </a:rPr>
+              <a:t>Email</a:t>
+            </a:r>
+          </a:p>
+          <a:p>
+            <a:pPr marL="457200" lvl="1" indent="0">
+              <a:buNone/>
+            </a:pPr>
+            <a:r>
+              <a:rPr lang="es-PE" sz="2000" dirty="0" smtClean="0">
+                <a:solidFill>
+                  <a:schemeClr val="bg1"/>
+                </a:solidFill>
+              </a:rPr>
+              <a:t>chmorcue@Gmail.com</a:t>
+            </a:r>
+            <a:endParaRPr lang="es-PE" sz="2000" dirty="0">
+              <a:solidFill>
+                <a:schemeClr val="bg1"/>
+              </a:solidFill>
+            </a:endParaRPr>
+          </a:p>
+        </p:txBody>
+      </p:sp>
+    </p:spTree>
+    <p:extLst>
+      <p:ext uri="{BB962C8B-B14F-4D97-AF65-F5344CB8AC3E}">
+        <p14:creationId xmlns:p14="http://schemas.microsoft.com/office/powerpoint/2010/main" val="1323871733"/>
+      </p:ext>
+    </p:extLst>
+  </p:cSld>
+  <p:clrMapOvr>
+    <a:masterClrMapping/>
+  </p:clrMapOvr>
+  <p:timing>
+    <p:tnLst>
+      <p:par>
+        <p:cTn id="1" dur="indefinite" restart="never" nodeType="tmRoot"/>
+      </p:par>
+    </p:tnLst>
+  </p:timing>
+</p:sld>
+</file>
+
+<file path=ppt/slides/slide2.xml><?xml version="1.0" encoding="utf-8"?>
+<p:sld xmlns:a="http://schemas.openxmlformats.org/drawingml/2006/main" xmlns:r="http://schemas.openxmlformats.org/officeDocument/2006/relationships" xmlns:p="http://schemas.openxmlformats.org/presentationml/2006/main">
+  <p:cSld>
+    <p:bg>
+      <p:bgPr>
+        <a:blipFill dpi="0" rotWithShape="1">
+          <a:blip r:embed="rId2">
+            <a:lum/>
+          </a:blip>
+          <a:srcRect/>
+          <a:stretch>
+            <a:fillRect l="-1000" r="-1000"/>
+          </a:stretch>
+        </a:blipFill>
+        <a:effectLst/>
+      </p:bgPr>
+    </p:bg>
+    <p:spTree>
+      <p:nvGrpSpPr>
+        <p:cNvPr id="1" name=""/>
+        <p:cNvGrpSpPr/>
+        <p:nvPr/>
+      </p:nvGrpSpPr>
+      <p:grpSpPr>
+        <a:xfrm>
+          <a:off x="0" y="0"/>
+          <a:ext cx="0" cy="0"/>
+          <a:chOff x="0" y="0"/>
+          <a:chExt cx="0" cy="0"/>
+        </a:xfrm>
+      </p:grpSpPr>
+      <p:sp>
+        <p:nvSpPr>
+          <p:cNvPr id="5" name="Título 4"/>
+          <p:cNvSpPr>
+            <a:spLocks noGrp="1"/>
+          </p:cNvSpPr>
+          <p:nvPr>
+            <p:ph type="title"/>
+          </p:nvPr>
+        </p:nvSpPr>
+        <p:spPr/>
+        <p:txBody>
+          <a:bodyPr/>
+          <a:lstStyle/>
+          <a:p>
+            <a:r>
+              <a:rPr lang="es-PE" dirty="0" smtClean="0">
+                <a:solidFill>
+                  <a:schemeClr val="bg1"/>
+                </a:solidFill>
+              </a:rPr>
+              <a:t>Node JS</a:t>
+            </a:r>
+            <a:endParaRPr lang="es-PE" dirty="0">
+              <a:solidFill>
+                <a:schemeClr val="bg1"/>
+              </a:solidFill>
+            </a:endParaRPr>
+          </a:p>
+        </p:txBody>
+      </p:sp>
+      <p:sp>
+        <p:nvSpPr>
           <p:cNvPr id="6" name="Marcador de contenido 5"/>
           <p:cNvSpPr>
             <a:spLocks noGrp="1"/>
@@ -4766,11 +4524,13 @@
         </p:nvSpPr>
         <p:spPr/>
         <p:txBody>
-          <a:bodyPr/>
-          <a:lstStyle/>
-          <a:p>
-            <a:r>
-              <a:rPr lang="es-ES" dirty="0" smtClean="0">
+          <a:bodyPr>
+            <a:normAutofit/>
+          </a:bodyPr>
+          <a:lstStyle/>
+          <a:p>
+            <a:r>
+              <a:rPr lang="es-ES" sz="3200" dirty="0" smtClean="0">
                 <a:solidFill>
                   <a:schemeClr val="bg1"/>
                 </a:solidFill>
@@ -4781,7 +4541,7 @@
           <a:p>
             <a:pPr lvl="1"/>
             <a:r>
-              <a:rPr lang="es-PE" dirty="0" smtClean="0">
+              <a:rPr lang="es-PE" sz="2800" dirty="0" smtClean="0">
                 <a:solidFill>
                   <a:schemeClr val="bg1"/>
                 </a:solidFill>
@@ -4792,7 +4552,7 @@
           <a:p>
             <a:pPr lvl="1"/>
             <a:r>
-              <a:rPr lang="es-PE" dirty="0" smtClean="0">
+              <a:rPr lang="es-PE" sz="2800" dirty="0" smtClean="0">
                 <a:solidFill>
                   <a:schemeClr val="bg1"/>
                 </a:solidFill>
@@ -4803,7 +4563,7 @@
           <a:p>
             <a:pPr lvl="1"/>
             <a:r>
-              <a:rPr lang="es-PE" dirty="0" smtClean="0">
+              <a:rPr lang="es-PE" sz="2800" dirty="0" smtClean="0">
                 <a:solidFill>
                   <a:schemeClr val="bg1"/>
                 </a:solidFill>
@@ -4814,7 +4574,7 @@
           <a:p>
             <a:pPr lvl="1"/>
             <a:r>
-              <a:rPr lang="es-PE" dirty="0" smtClean="0">
+              <a:rPr lang="es-PE" sz="2800" dirty="0" smtClean="0">
                 <a:solidFill>
                   <a:schemeClr val="bg1"/>
                 </a:solidFill>
@@ -4825,7 +4585,7 @@
           <a:p>
             <a:pPr lvl="1"/>
             <a:r>
-              <a:rPr lang="es-PE" dirty="0" smtClean="0">
+              <a:rPr lang="es-PE" sz="2800" dirty="0" smtClean="0">
                 <a:solidFill>
                   <a:schemeClr val="bg1"/>
                 </a:solidFill>
@@ -4835,7 +4595,7 @@
           </a:p>
           <a:p>
             <a:pPr lvl="1"/>
-            <a:endParaRPr lang="es-PE" dirty="0">
+            <a:endParaRPr lang="es-PE" sz="2800" dirty="0">
               <a:solidFill>
                 <a:schemeClr val="bg1"/>
               </a:solidFill>
@@ -4888,6 +4648,159 @@
   <p:clrMapOvr>
     <a:masterClrMapping/>
   </p:clrMapOvr>
+  <p:timing>
+    <p:tnLst>
+      <p:par>
+        <p:cTn id="1" dur="indefinite" restart="never" nodeType="tmRoot"/>
+      </p:par>
+    </p:tnLst>
+  </p:timing>
+</p:sld>
+</file>
+
+<file path=ppt/slides/slide3.xml><?xml version="1.0" encoding="utf-8"?>
+<p:sld xmlns:a="http://schemas.openxmlformats.org/drawingml/2006/main" xmlns:r="http://schemas.openxmlformats.org/officeDocument/2006/relationships" xmlns:p="http://schemas.openxmlformats.org/presentationml/2006/main">
+  <p:cSld>
+    <p:bg>
+      <p:bgPr>
+        <a:blipFill dpi="0" rotWithShape="1">
+          <a:blip r:embed="rId2">
+            <a:lum/>
+          </a:blip>
+          <a:srcRect/>
+          <a:stretch>
+            <a:fillRect l="-1000" r="-1000"/>
+          </a:stretch>
+        </a:blipFill>
+        <a:effectLst/>
+      </p:bgPr>
+    </p:bg>
+    <p:spTree>
+      <p:nvGrpSpPr>
+        <p:cNvPr id="1" name=""/>
+        <p:cNvGrpSpPr/>
+        <p:nvPr/>
+      </p:nvGrpSpPr>
+      <p:grpSpPr>
+        <a:xfrm>
+          <a:off x="0" y="0"/>
+          <a:ext cx="0" cy="0"/>
+          <a:chOff x="0" y="0"/>
+          <a:chExt cx="0" cy="0"/>
+        </a:xfrm>
+      </p:grpSpPr>
+      <p:sp>
+        <p:nvSpPr>
+          <p:cNvPr id="5" name="Título 4"/>
+          <p:cNvSpPr>
+            <a:spLocks noGrp="1"/>
+          </p:cNvSpPr>
+          <p:nvPr>
+            <p:ph type="title"/>
+          </p:nvPr>
+        </p:nvSpPr>
+        <p:spPr/>
+        <p:txBody>
+          <a:bodyPr/>
+          <a:lstStyle/>
+          <a:p>
+            <a:r>
+              <a:rPr lang="es-PE" dirty="0" smtClean="0">
+                <a:solidFill>
+                  <a:schemeClr val="bg1"/>
+                </a:solidFill>
+              </a:rPr>
+              <a:t>¿Por qué es tan popular?</a:t>
+            </a:r>
+            <a:endParaRPr lang="es-PE" dirty="0">
+              <a:solidFill>
+                <a:schemeClr val="bg1"/>
+              </a:solidFill>
+            </a:endParaRPr>
+          </a:p>
+        </p:txBody>
+      </p:sp>
+      <p:sp>
+        <p:nvSpPr>
+          <p:cNvPr id="6" name="Marcador de contenido 5"/>
+          <p:cNvSpPr>
+            <a:spLocks noGrp="1"/>
+          </p:cNvSpPr>
+          <p:nvPr>
+            <p:ph idx="1"/>
+          </p:nvPr>
+        </p:nvSpPr>
+        <p:spPr/>
+        <p:txBody>
+          <a:bodyPr/>
+          <a:lstStyle/>
+          <a:p>
+            <a:r>
+              <a:rPr lang="es-PE" dirty="0" smtClean="0">
+                <a:solidFill>
+                  <a:schemeClr val="bg1"/>
+                </a:solidFill>
+              </a:rPr>
+              <a:t>Las entradas y salidas no realizan bloqueos del servidor</a:t>
+            </a:r>
+          </a:p>
+          <a:p>
+            <a:r>
+              <a:rPr lang="es-PE" dirty="0" smtClean="0">
+                <a:solidFill>
+                  <a:schemeClr val="bg1"/>
+                </a:solidFill>
+              </a:rPr>
+              <a:t>Es rápido y fácil de configurar</a:t>
+            </a:r>
+          </a:p>
+          <a:p>
+            <a:r>
+              <a:rPr lang="es-PE" dirty="0" smtClean="0">
+                <a:solidFill>
+                  <a:schemeClr val="bg1"/>
+                </a:solidFill>
+              </a:rPr>
+              <a:t>Existen más de 470 mil paquetes disponibles</a:t>
+            </a:r>
+          </a:p>
+          <a:p>
+            <a:r>
+              <a:rPr lang="es-PE" dirty="0" smtClean="0">
+                <a:solidFill>
+                  <a:schemeClr val="bg1"/>
+                </a:solidFill>
+              </a:rPr>
+              <a:t>Si ya sabes JavaScript ya conoces gran parte de Node</a:t>
+            </a:r>
+          </a:p>
+          <a:p>
+            <a:pPr lvl="1"/>
+            <a:endParaRPr lang="es-PE" dirty="0">
+              <a:solidFill>
+                <a:schemeClr val="bg1"/>
+              </a:solidFill>
+            </a:endParaRPr>
+          </a:p>
+        </p:txBody>
+      </p:sp>
+    </p:spTree>
+    <p:extLst>
+      <p:ext uri="{BB962C8B-B14F-4D97-AF65-F5344CB8AC3E}">
+        <p14:creationId xmlns:p14="http://schemas.microsoft.com/office/powerpoint/2010/main" val="1791326800"/>
+      </p:ext>
+    </p:extLst>
+  </p:cSld>
+  <p:clrMapOvr>
+    <a:masterClrMapping/>
+  </p:clrMapOvr>
+  <p:timing>
+    <p:tnLst>
+      <p:par>
+        <p:cTn id="1" dur="indefinite" restart="never" nodeType="tmRoot"/>
+      </p:par>
+    </p:tnLst>
+  </p:timing>
 </p:sld>
 </file>
 
@@ -4938,12 +4851,20 @@
           <a:lstStyle/>
           <a:p>
             <a:r>
+              <a:rPr lang="es-PE" dirty="0" err="1" smtClean="0">
+                <a:solidFill>
+                  <a:schemeClr val="bg1"/>
+                </a:solidFill>
+              </a:rPr>
+              <a:t>Power</a:t>
+            </a:r>
+            <a:r>
               <a:rPr lang="es-PE" dirty="0" smtClean="0">
                 <a:solidFill>
                   <a:schemeClr val="bg1"/>
                 </a:solidFill>
               </a:rPr>
-              <a:t>¿Por qué es tan popular?</a:t>
+              <a:t> BI</a:t>
             </a:r>
             <a:endParaRPr lang="es-PE" dirty="0">
               <a:solidFill>
@@ -4968,65 +4889,118 @@
           <a:bodyPr/>
           <a:lstStyle/>
           <a:p>
-            <a:r>
-              <a:rPr lang="es-PE" dirty="0" smtClean="0">
+            <a:pPr lvl="1"/>
+            <a:r>
+              <a:rPr lang="es-PE" sz="2800" dirty="0" smtClean="0">
                 <a:solidFill>
                   <a:schemeClr val="bg1"/>
                 </a:solidFill>
               </a:rPr>
-              <a:t>Las entradas y salidas no realizan bloqueos del servidor</a:t>
-            </a:r>
-          </a:p>
-          <a:p>
-            <a:r>
-              <a:rPr lang="es-PE" dirty="0" smtClean="0">
+              <a:t>Herramienta de productividad de Business </a:t>
+            </a:r>
+            <a:r>
+              <a:rPr lang="es-PE" sz="2800" dirty="0" err="1" smtClean="0">
                 <a:solidFill>
                   <a:schemeClr val="bg1"/>
                 </a:solidFill>
               </a:rPr>
-              <a:t>Es rápido y fácil de configurar</a:t>
-            </a:r>
-          </a:p>
-          <a:p>
-            <a:r>
-              <a:rPr lang="es-PE" dirty="0" smtClean="0">
+              <a:t>Inteligence</a:t>
+            </a:r>
+            <a:r>
+              <a:rPr lang="es-PE" sz="2800" dirty="0" smtClean="0">
                 <a:solidFill>
                   <a:schemeClr val="bg1"/>
                 </a:solidFill>
               </a:rPr>
-              <a:t>Existen más de 470 mil paquetes disponibles</a:t>
-            </a:r>
-          </a:p>
-          <a:p>
-            <a:r>
-              <a:rPr lang="es-PE" dirty="0" smtClean="0">
+              <a:t> (BI) incorporada </a:t>
+            </a:r>
+            <a:r>
+              <a:rPr lang="es-PE" sz="2800" dirty="0" smtClean="0">
                 <a:solidFill>
                   <a:schemeClr val="bg1"/>
                 </a:solidFill>
               </a:rPr>
-              <a:t>Si ya sabes JavaScript ya conoces gran parte de Node</a:t>
+              <a:t>Microsoft </a:t>
+            </a:r>
+            <a:r>
+              <a:rPr lang="es-PE" sz="2800" dirty="0" err="1" smtClean="0">
+                <a:solidFill>
+                  <a:schemeClr val="bg1"/>
+                </a:solidFill>
+              </a:rPr>
+              <a:t>Power</a:t>
+            </a:r>
+            <a:r>
+              <a:rPr lang="es-PE" sz="2800" dirty="0" smtClean="0">
+                <a:solidFill>
+                  <a:schemeClr val="bg1"/>
+                </a:solidFill>
+              </a:rPr>
+              <a:t> </a:t>
+            </a:r>
+            <a:r>
+              <a:rPr lang="es-PE" sz="2800" dirty="0" err="1" smtClean="0">
+                <a:solidFill>
+                  <a:schemeClr val="bg1"/>
+                </a:solidFill>
+              </a:rPr>
+              <a:t>Platform</a:t>
+            </a:r>
+            <a:r>
+              <a:rPr lang="es-PE" sz="2800" dirty="0" smtClean="0">
+                <a:solidFill>
+                  <a:schemeClr val="bg1"/>
+                </a:solidFill>
+              </a:rPr>
+              <a:t>. </a:t>
+            </a:r>
+            <a:r>
+              <a:rPr lang="es-PE" sz="2800" dirty="0" smtClean="0">
+                <a:solidFill>
+                  <a:schemeClr val="bg1"/>
+                </a:solidFill>
+              </a:rPr>
+              <a:t>Permite analizar e interactuar con una cantidad masiva de datos. </a:t>
             </a:r>
           </a:p>
           <a:p>
             <a:pPr lvl="1"/>
-            <a:endParaRPr lang="es-PE" dirty="0">
+            <a:endParaRPr lang="es-PE" sz="2800" dirty="0" smtClean="0">
               <a:solidFill>
                 <a:schemeClr val="bg1"/>
               </a:solidFill>
             </a:endParaRPr>
           </a:p>
+          <a:p>
+            <a:pPr lvl="1"/>
+            <a:r>
+              <a:rPr lang="es-PE" dirty="0" smtClean="0">
+                <a:solidFill>
+                  <a:schemeClr val="bg1"/>
+                </a:solidFill>
+              </a:rPr>
+              <a:t>Se conecta a una variedad de fuentes de datos, desde hojas de cálculo de Excel hasta bases de datos, y aplicaciones tanto en la nube como en los servidores de nuestra empresa</a:t>
+            </a:r>
+          </a:p>
         </p:txBody>
       </p:sp>
     </p:spTree>
     <p:extLst>
       <p:ext uri="{BB962C8B-B14F-4D97-AF65-F5344CB8AC3E}">
-        <p14:creationId xmlns:p14="http://schemas.microsoft.com/office/powerpoint/2010/main" val="1791326800"/>
+        <p14:creationId xmlns:p14="http://schemas.microsoft.com/office/powerpoint/2010/main" val="685907858"/>
       </p:ext>
     </p:extLst>
   </p:cSld>
   <p:clrMapOvr>
     <a:masterClrMapping/>
   </p:clrMapOvr>
+  <p:timing>
+    <p:tnLst>
+      <p:par>
+        <p:cTn id="1" dur="indefinite" restart="never" nodeType="tmRoot"/>
+      </p:par>
+    </p:tnLst>
+  </p:timing>
 </p:sld>
 </file>
 
@@ -5077,6 +5051,14 @@
           <a:lstStyle/>
           <a:p>
             <a:r>
+              <a:rPr lang="es-PE" dirty="0" smtClean="0">
+                <a:solidFill>
+                  <a:schemeClr val="bg1"/>
+                </a:solidFill>
+              </a:rPr>
+              <a:t>¿Qué hace </a:t>
+            </a:r>
+            <a:r>
               <a:rPr lang="es-PE" dirty="0" err="1" smtClean="0">
                 <a:solidFill>
                   <a:schemeClr val="bg1"/>
@@ -5090,7 +5072,7 @@
                   <a:schemeClr val="bg1"/>
                 </a:solidFill>
               </a:rPr>
-              <a:t> BI</a:t>
+              <a:t> BI?</a:t>
             </a:r>
             <a:endParaRPr lang="es-PE" dirty="0">
               <a:solidFill>
@@ -5117,33 +5099,17 @@
           <a:p>
             <a:pPr lvl="1"/>
             <a:r>
-              <a:rPr lang="es-PE" sz="2800" dirty="0" smtClean="0">
+              <a:rPr lang="es-PE" dirty="0" smtClean="0">
                 <a:solidFill>
                   <a:schemeClr val="bg1"/>
                 </a:solidFill>
               </a:rPr>
-              <a:t>Herramienta de productividad de Business </a:t>
-            </a:r>
-            <a:r>
-              <a:rPr lang="es-PE" sz="2800" dirty="0" err="1" smtClean="0">
-                <a:solidFill>
-                  <a:schemeClr val="bg1"/>
-                </a:solidFill>
-              </a:rPr>
-              <a:t>Inteligence</a:t>
-            </a:r>
-            <a:r>
-              <a:rPr lang="es-PE" sz="2800" dirty="0" smtClean="0">
-                <a:solidFill>
-                  <a:schemeClr val="bg1"/>
-                </a:solidFill>
-              </a:rPr>
-              <a:t> (BI) incorporada en la suite de Office 365. Permite analizar e interactuar con una cantidad masiva de datos. </a:t>
+              <a:t>Se utiliza para generar informes basados en los datos de la empresa</a:t>
             </a:r>
           </a:p>
           <a:p>
             <a:pPr lvl="1"/>
-            <a:endParaRPr lang="es-PE" sz="2800" dirty="0" smtClean="0">
+            <a:endParaRPr lang="es-PE" dirty="0" smtClean="0">
               <a:solidFill>
                 <a:schemeClr val="bg1"/>
               </a:solidFill>
@@ -5157,21 +5123,52 @@
                   <a:schemeClr val="bg1"/>
                 </a:solidFill>
               </a:rPr>
-              <a:t>Se conecta a una variedad de fuentes de datos, desde hojas de cálculo de Excel hasta bases de datos, y aplicaciones tanto en la nube como en los servidores de nuestra empresa</a:t>
-            </a:r>
+              <a:t>Se puede conectar con una amplia gama de conjuntos de datos y ordenar la información para ser entendida.</a:t>
+            </a:r>
+          </a:p>
+          <a:p>
+            <a:pPr lvl="1"/>
+            <a:endParaRPr lang="es-PE" dirty="0" smtClean="0">
+              <a:solidFill>
+                <a:schemeClr val="bg1"/>
+              </a:solidFill>
+            </a:endParaRPr>
+          </a:p>
+          <a:p>
+            <a:pPr lvl="1"/>
+            <a:r>
+              <a:rPr lang="es-PE" dirty="0" smtClean="0">
+                <a:solidFill>
+                  <a:schemeClr val="bg1"/>
+                </a:solidFill>
+              </a:rPr>
+              <a:t>Analiza datos de cualquier área o departamento. A menudo son finanzas, marketing, ventas, recursos humanos etc.</a:t>
+            </a:r>
+            <a:endParaRPr lang="es-PE" dirty="0">
+              <a:solidFill>
+                <a:schemeClr val="bg1"/>
+              </a:solidFill>
+            </a:endParaRPr>
           </a:p>
         </p:txBody>
       </p:sp>
     </p:spTree>
     <p:extLst>
       <p:ext uri="{BB962C8B-B14F-4D97-AF65-F5344CB8AC3E}">
-        <p14:creationId xmlns:p14="http://schemas.microsoft.com/office/powerpoint/2010/main" val="685907858"/>
+        <p14:creationId xmlns:p14="http://schemas.microsoft.com/office/powerpoint/2010/main" val="377138257"/>
       </p:ext>
     </p:extLst>
   </p:cSld>
   <p:clrMapOvr>
     <a:masterClrMapping/>
   </p:clrMapOvr>
+  <p:timing>
+    <p:tnLst>
+      <p:par>
+        <p:cTn id="1" dur="indefinite" restart="never" nodeType="tmRoot"/>
+      </p:par>
+    </p:tnLst>
+  </p:timing>
 </p:sld>
 </file>
 
@@ -5227,23 +5224,7 @@
                   <a:schemeClr val="bg1"/>
                 </a:solidFill>
               </a:rPr>
-              <a:t>¿Qué hace </a:t>
-            </a:r>
-            <a:r>
-              <a:rPr lang="es-PE" dirty="0" err="1" smtClean="0">
-                <a:solidFill>
-                  <a:schemeClr val="bg1"/>
-                </a:solidFill>
-              </a:rPr>
-              <a:t>Power</a:t>
-            </a:r>
-            <a:r>
-              <a:rPr lang="es-PE" dirty="0" smtClean="0">
-                <a:solidFill>
-                  <a:schemeClr val="bg1"/>
-                </a:solidFill>
-              </a:rPr>
-              <a:t> BI?</a:t>
+              <a:t>Datos Estructurados</a:t>
             </a:r>
             <a:endParaRPr lang="es-PE" dirty="0">
               <a:solidFill>
@@ -5253,86 +5234,64 @@
           </a:p>
         </p:txBody>
       </p:sp>
-      <p:sp>
-        <p:nvSpPr>
-          <p:cNvPr id="6" name="Marcador de contenido 5"/>
-          <p:cNvSpPr>
-            <a:spLocks noGrp="1"/>
-          </p:cNvSpPr>
-          <p:nvPr>
-            <p:ph idx="1"/>
-          </p:nvPr>
-        </p:nvSpPr>
-        <p:spPr/>
-        <p:txBody>
-          <a:bodyPr/>
-          <a:lstStyle/>
-          <a:p>
-            <a:pPr lvl="1"/>
-            <a:r>
-              <a:rPr lang="es-PE" dirty="0" smtClean="0">
-                <a:solidFill>
-                  <a:schemeClr val="bg1"/>
-                </a:solidFill>
-              </a:rPr>
-              <a:t>Se utiliza para generar informes basados en los datos de la empresa</a:t>
-            </a:r>
-          </a:p>
-          <a:p>
-            <a:pPr lvl="1"/>
-            <a:endParaRPr lang="es-PE" dirty="0" smtClean="0">
-              <a:solidFill>
-                <a:schemeClr val="bg1"/>
-              </a:solidFill>
-            </a:endParaRPr>
-          </a:p>
-          <a:p>
-            <a:pPr lvl="1"/>
-            <a:r>
-              <a:rPr lang="es-PE" dirty="0" smtClean="0">
-                <a:solidFill>
-                  <a:schemeClr val="bg1"/>
-                </a:solidFill>
-              </a:rPr>
-              <a:t>Se puede conectar con una amplia gama de conjuntos de datos y ordenar la información para ser entendida.</a:t>
-            </a:r>
-          </a:p>
-          <a:p>
-            <a:pPr lvl="1"/>
-            <a:endParaRPr lang="es-PE" dirty="0" smtClean="0">
-              <a:solidFill>
-                <a:schemeClr val="bg1"/>
-              </a:solidFill>
-            </a:endParaRPr>
-          </a:p>
-          <a:p>
-            <a:pPr lvl="1"/>
-            <a:r>
-              <a:rPr lang="es-PE" dirty="0" smtClean="0">
-                <a:solidFill>
-                  <a:schemeClr val="bg1"/>
-                </a:solidFill>
-              </a:rPr>
-              <a:t>Analiza datos de cualquier área o departamento. A menudo son finanzas, marketing, ventas, recursos humanos etc.</a:t>
-            </a:r>
-            <a:endParaRPr lang="es-PE" dirty="0">
-              <a:solidFill>
-                <a:schemeClr val="bg1"/>
-              </a:solidFill>
-            </a:endParaRPr>
-          </a:p>
-        </p:txBody>
-      </p:sp>
+      <p:pic>
+        <p:nvPicPr>
+          <p:cNvPr id="1026" name="Picture 2" descr="Ejemplo de datos estructurados"/>
+          <p:cNvPicPr>
+            <a:picLocks noChangeAspect="1" noChangeArrowheads="1"/>
+          </p:cNvPicPr>
+          <p:nvPr/>
+        </p:nvPicPr>
+        <p:blipFill>
+          <a:blip r:embed="rId3">
+            <a:extLst>
+              <a:ext uri="{28A0092B-C50C-407E-A947-70E740481C1C}">
+                <a14:useLocalDpi xmlns:a14="http://schemas.microsoft.com/office/drawing/2010/main" val="0"/>
+              </a:ext>
+            </a:extLst>
+          </a:blip>
+          <a:srcRect/>
+          <a:stretch>
+            <a:fillRect/>
+          </a:stretch>
+        </p:blipFill>
+        <p:spPr bwMode="auto">
+          <a:xfrm>
+            <a:off x="2101940" y="2386148"/>
+            <a:ext cx="8233983" cy="3139441"/>
+          </a:xfrm>
+          <a:prstGeom prst="rect">
+            <a:avLst/>
+          </a:prstGeom>
+          <a:noFill/>
+          <a:extLst>
+            <a:ext uri="{909E8E84-426E-40DD-AFC4-6F175D3DCCD1}">
+              <a14:hiddenFill xmlns:a14="http://schemas.microsoft.com/office/drawing/2010/main">
+                <a:solidFill>
+                  <a:srgbClr val="FFFFFF"/>
+                </a:solidFill>
+              </a14:hiddenFill>
+            </a:ext>
+          </a:extLst>
+        </p:spPr>
+      </p:pic>
     </p:spTree>
     <p:extLst>
       <p:ext uri="{BB962C8B-B14F-4D97-AF65-F5344CB8AC3E}">
-        <p14:creationId xmlns:p14="http://schemas.microsoft.com/office/powerpoint/2010/main" val="377138257"/>
+        <p14:creationId xmlns:p14="http://schemas.microsoft.com/office/powerpoint/2010/main" val="2358590236"/>
       </p:ext>
     </p:extLst>
   </p:cSld>
   <p:clrMapOvr>
     <a:masterClrMapping/>
   </p:clrMapOvr>
+  <p:timing>
+    <p:tnLst>
+      <p:par>
+        <p:cTn id="1" dur="indefinite" restart="never" nodeType="tmRoot"/>
+      </p:par>
+    </p:tnLst>
+  </p:timing>
 </p:sld>
 </file>
 
@@ -5388,7 +5347,23 @@
                   <a:schemeClr val="bg1"/>
                 </a:solidFill>
               </a:rPr>
-              <a:t>Demo</a:t>
+              <a:t>Datos Semi</a:t>
+            </a:r>
+            <a:r>
+              <a:rPr lang="es-PE" dirty="0">
+                <a:solidFill>
+                  <a:schemeClr val="bg1"/>
+                </a:solidFill>
+              </a:rPr>
+              <a:t>e</a:t>
+            </a:r>
+            <a:r>
+              <a:rPr lang="es-PE" dirty="0" smtClean="0">
+                <a:solidFill>
+                  <a:schemeClr val="bg1"/>
+                </a:solidFill>
+              </a:rPr>
+              <a:t>structurados</a:t>
             </a:r>
             <a:endParaRPr lang="es-PE" dirty="0">
               <a:solidFill>
@@ -5398,16 +5373,62 @@
           </a:p>
         </p:txBody>
       </p:sp>
+      <p:pic>
+        <p:nvPicPr>
+          <p:cNvPr id="2050" name="Picture 2" descr="Ejemplo de datos semiestructurados"/>
+          <p:cNvPicPr>
+            <a:picLocks noChangeAspect="1" noChangeArrowheads="1"/>
+          </p:cNvPicPr>
+          <p:nvPr/>
+        </p:nvPicPr>
+        <p:blipFill rotWithShape="1">
+          <a:blip r:embed="rId3">
+            <a:extLst>
+              <a:ext uri="{28A0092B-C50C-407E-A947-70E740481C1C}">
+                <a14:useLocalDpi xmlns:a14="http://schemas.microsoft.com/office/drawing/2010/main" val="0"/>
+              </a:ext>
+            </a:extLst>
+          </a:blip>
+          <a:srcRect b="12177"/>
+          <a:stretch/>
+        </p:blipFill>
+        <p:spPr bwMode="auto">
+          <a:xfrm>
+            <a:off x="3643357" y="1690688"/>
+            <a:ext cx="4938940" cy="4566421"/>
+          </a:xfrm>
+          <a:prstGeom prst="rect">
+            <a:avLst/>
+          </a:prstGeom>
+          <a:noFill/>
+          <a:extLst>
+            <a:ext uri="{909E8E84-426E-40DD-AFC4-6F175D3DCCD1}">
+              <a14:hiddenFill xmlns:a14="http://schemas.microsoft.com/office/drawing/2010/main">
+                <a:solidFill>
+                  <a:srgbClr val="FFFFFF"/>
+                </a:solidFill>
+              </a14:hiddenFill>
+            </a:ext>
+          </a:extLst>
+        </p:spPr>
+      </p:pic>
     </p:spTree>
     <p:extLst>
       <p:ext uri="{BB962C8B-B14F-4D97-AF65-F5344CB8AC3E}">
-        <p14:creationId xmlns:p14="http://schemas.microsoft.com/office/powerpoint/2010/main" val="2314874333"/>
+        <p14:creationId xmlns:p14="http://schemas.microsoft.com/office/powerpoint/2010/main" val="2034998475"/>
       </p:ext>
     </p:extLst>
   </p:cSld>
   <p:clrMapOvr>
     <a:masterClrMapping/>
   </p:clrMapOvr>
+  <p:timing>
+    <p:tnLst>
+      <p:par>
+        <p:cTn id="1" dur="indefinite" restart="never" nodeType="tmRoot"/>
+      </p:par>
+    </p:tnLst>
+  </p:timing>
 </p:sld>
 </file>
 
@@ -5463,7 +5484,7 @@
                   <a:schemeClr val="bg1"/>
                 </a:solidFill>
               </a:rPr>
-              <a:t>Gracias</a:t>
+              <a:t>Datos No Estructurados</a:t>
             </a:r>
             <a:endParaRPr lang="es-PE" dirty="0">
               <a:solidFill>
@@ -5473,16 +5494,144 @@
           </a:p>
         </p:txBody>
       </p:sp>
+      <p:pic>
+        <p:nvPicPr>
+          <p:cNvPr id="3074" name="Picture 2" descr="Resultado de imagen para datos no estructurados"/>
+          <p:cNvPicPr>
+            <a:picLocks noChangeAspect="1" noChangeArrowheads="1"/>
+          </p:cNvPicPr>
+          <p:nvPr/>
+        </p:nvPicPr>
+        <p:blipFill rotWithShape="1">
+          <a:blip r:embed="rId3">
+            <a:extLst>
+              <a:ext uri="{28A0092B-C50C-407E-A947-70E740481C1C}">
+                <a14:useLocalDpi xmlns:a14="http://schemas.microsoft.com/office/drawing/2010/main" val="0"/>
+              </a:ext>
+            </a:extLst>
+          </a:blip>
+          <a:srcRect l="18192" r="44174"/>
+          <a:stretch/>
+        </p:blipFill>
+        <p:spPr bwMode="auto">
+          <a:xfrm>
+            <a:off x="3226525" y="1477508"/>
+            <a:ext cx="5146766" cy="4661013"/>
+          </a:xfrm>
+          <a:prstGeom prst="rect">
+            <a:avLst/>
+          </a:prstGeom>
+          <a:noFill/>
+          <a:extLst>
+            <a:ext uri="{909E8E84-426E-40DD-AFC4-6F175D3DCCD1}">
+              <a14:hiddenFill xmlns:a14="http://schemas.microsoft.com/office/drawing/2010/main">
+                <a:solidFill>
+                  <a:srgbClr val="FFFFFF"/>
+                </a:solidFill>
+              </a14:hiddenFill>
+            </a:ext>
+          </a:extLst>
+        </p:spPr>
+      </p:pic>
     </p:spTree>
     <p:extLst>
       <p:ext uri="{BB962C8B-B14F-4D97-AF65-F5344CB8AC3E}">
-        <p14:creationId xmlns:p14="http://schemas.microsoft.com/office/powerpoint/2010/main" val="1323871733"/>
+        <p14:creationId xmlns:p14="http://schemas.microsoft.com/office/powerpoint/2010/main" val="1269667389"/>
       </p:ext>
     </p:extLst>
   </p:cSld>
   <p:clrMapOvr>
     <a:masterClrMapping/>
   </p:clrMapOvr>
+  <p:timing>
+    <p:tnLst>
+      <p:par>
+        <p:cTn id="1" dur="indefinite" restart="never" nodeType="tmRoot"/>
+      </p:par>
+    </p:tnLst>
+  </p:timing>
+</p:sld>
+</file>
+
+<file path=ppt/slides/slide9.xml><?xml version="1.0" encoding="utf-8"?>
+<p:sld xmlns:a="http://schemas.openxmlformats.org/drawingml/2006/main" xmlns:r="http://schemas.openxmlformats.org/officeDocument/2006/relationships" xmlns:p="http://schemas.openxmlformats.org/presentationml/2006/main">
+  <p:cSld>
+    <p:bg>
+      <p:bgPr>
+        <a:blipFill dpi="0" rotWithShape="1">
+          <a:blip r:embed="rId2">
+            <a:lum/>
+          </a:blip>
+          <a:srcRect/>
+          <a:stretch>
+            <a:fillRect l="-1000" r="-1000"/>
+          </a:stretch>
+        </a:blipFill>
+        <a:effectLst/>
+      </p:bgPr>
+    </p:bg>
+    <p:spTree>
+      <p:nvGrpSpPr>
+        <p:cNvPr id="1" name=""/>
+        <p:cNvGrpSpPr/>
+        <p:nvPr/>
+      </p:nvGrpSpPr>
+      <p:grpSpPr>
+        <a:xfrm>
+          <a:off x="0" y="0"/>
+          <a:ext cx="0" cy="0"/>
+          <a:chOff x="0" y="0"/>
+          <a:chExt cx="0" cy="0"/>
+        </a:xfrm>
+      </p:grpSpPr>
+      <p:sp>
+        <p:nvSpPr>
+          <p:cNvPr id="5" name="Título 4"/>
+          <p:cNvSpPr>
+            <a:spLocks noGrp="1"/>
+          </p:cNvSpPr>
+          <p:nvPr>
+            <p:ph type="title"/>
+          </p:nvPr>
+        </p:nvSpPr>
+        <p:spPr/>
+        <p:txBody>
+          <a:bodyPr/>
+          <a:lstStyle/>
+          <a:p>
+            <a:r>
+              <a:rPr lang="es-PE" dirty="0" smtClean="0">
+                <a:solidFill>
+                  <a:schemeClr val="bg1"/>
+                </a:solidFill>
+              </a:rPr>
+              <a:t>Demo</a:t>
+            </a:r>
+            <a:endParaRPr lang="es-PE" dirty="0">
+              <a:solidFill>
+                <a:schemeClr val="bg1"/>
+              </a:solidFill>
+            </a:endParaRPr>
+          </a:p>
+        </p:txBody>
+      </p:sp>
+    </p:spTree>
+    <p:extLst>
+      <p:ext uri="{BB962C8B-B14F-4D97-AF65-F5344CB8AC3E}">
+        <p14:creationId xmlns:p14="http://schemas.microsoft.com/office/powerpoint/2010/main" val="2314874333"/>
+      </p:ext>
+    </p:extLst>
+  </p:cSld>
+  <p:clrMapOvr>
+    <a:masterClrMapping/>
+  </p:clrMapOvr>
+  <p:timing>
+    <p:tnLst>
+      <p:par>
+        <p:cTn id="1" dur="indefinite" restart="never" nodeType="tmRoot"/>
+      </p:par>
+    </p:tnLst>
+  </p:timing>
 </p:sld>
 </file>
 
